--- a/slides/Presentatie Web API's.pptx
+++ b/slides/Presentatie Web API's.pptx
@@ -4232,10 +4232,10 @@
       </p:sp>
       <p:sp>
         <p:nvSpPr>
-          <p:cNvPr id="3" name="Tijdelijke aanduiding voor inhoud 2">
-            <a:extLst>
-              <a:ext uri="{FF2B5EF4-FFF2-40B4-BE49-F238E27FC236}">
-                <a16:creationId xmlns:a16="http://schemas.microsoft.com/office/drawing/2014/main" id="{E35FDB9A-CCE5-4276-8B9C-C3908A33170F}"/>
+          <p:cNvPr id="5" name="Tijdelijke aanduiding voor inhoud 4">
+            <a:extLst>
+              <a:ext uri="{FF2B5EF4-FFF2-40B4-BE49-F238E27FC236}">
+                <a16:creationId xmlns:a16="http://schemas.microsoft.com/office/drawing/2014/main" id="{1ABBF4DC-7798-4E71-8893-5DDC3869539C}"/>
               </a:ext>
             </a:extLst>
           </p:cNvPr>
@@ -4246,71 +4246,12 @@
             <p:ph idx="1"/>
           </p:nvPr>
         </p:nvSpPr>
-        <p:spPr>
-          <a:xfrm>
-            <a:off x="819149" y="1825625"/>
-            <a:ext cx="11287125" cy="4351338"/>
-          </a:xfrm>
-        </p:spPr>
-        <p:txBody>
-          <a:bodyPr>
-            <a:normAutofit/>
-          </a:bodyPr>
-          <a:lstStyle/>
-          <a:p>
-            <a:pPr marL="0" indent="0">
-              <a:buNone/>
-            </a:pPr>
-            <a:r>
-              <a:rPr lang="nl-NL" sz="2000" dirty="0">
-                <a:latin typeface="Courier New" panose="02070309020205020404" pitchFamily="49" charset="0"/>
-                <a:cs typeface="Courier New" panose="02070309020205020404" pitchFamily="49" charset="0"/>
-              </a:rPr>
-              <a:t>GET https://dataloket.zuid-holland.nl/api/search?query=energie&amp;offset=1</a:t>
-            </a:r>
-          </a:p>
-          <a:p>
-            <a:pPr marL="0" indent="0">
-              <a:buNone/>
-            </a:pPr>
-            <a:r>
-              <a:rPr lang="nl-NL" sz="2000" dirty="0">
-                <a:latin typeface="Courier New" panose="02070309020205020404" pitchFamily="49" charset="0"/>
-                <a:cs typeface="Courier New" panose="02070309020205020404" pitchFamily="49" charset="0"/>
-              </a:rPr>
-              <a:t>Host:</a:t>
-            </a:r>
-          </a:p>
-          <a:p>
-            <a:pPr marL="0" indent="0">
-              <a:buNone/>
-            </a:pPr>
-            <a:r>
-              <a:rPr lang="nl-NL" sz="2000" dirty="0">
-                <a:latin typeface="Courier New" panose="02070309020205020404" pitchFamily="49" charset="0"/>
-                <a:cs typeface="Courier New" panose="02070309020205020404" pitchFamily="49" charset="0"/>
-              </a:rPr>
-              <a:t>User-Agent:</a:t>
-            </a:r>
-          </a:p>
-          <a:p>
-            <a:pPr marL="0" indent="0">
-              <a:buNone/>
-            </a:pPr>
-            <a:r>
-              <a:rPr lang="nl-NL" sz="2000" dirty="0" err="1">
-                <a:latin typeface="Courier New" panose="02070309020205020404" pitchFamily="49" charset="0"/>
-                <a:cs typeface="Courier New" panose="02070309020205020404" pitchFamily="49" charset="0"/>
-              </a:rPr>
-              <a:t>Authorization</a:t>
-            </a:r>
-            <a:r>
-              <a:rPr lang="nl-NL" sz="2000" dirty="0">
-                <a:latin typeface="Courier New" panose="02070309020205020404" pitchFamily="49" charset="0"/>
-                <a:cs typeface="Courier New" panose="02070309020205020404" pitchFamily="49" charset="0"/>
-              </a:rPr>
-              <a:t>: </a:t>
-            </a:r>
+        <p:spPr/>
+        <p:txBody>
+          <a:bodyPr/>
+          <a:lstStyle/>
+          <a:p>
+            <a:endParaRPr lang="nl-NL"/>
           </a:p>
         </p:txBody>
       </p:sp>

--- a/slides/Presentatie Web API's.pptx
+++ b/slides/Presentatie Web API's.pptx
@@ -16,12 +16,13 @@
     <p:sldId id="261" r:id="rId10"/>
     <p:sldId id="258" r:id="rId11"/>
     <p:sldId id="268" r:id="rId12"/>
-    <p:sldId id="273" r:id="rId13"/>
-    <p:sldId id="274" r:id="rId14"/>
-    <p:sldId id="275" r:id="rId15"/>
-    <p:sldId id="276" r:id="rId16"/>
-    <p:sldId id="272" r:id="rId17"/>
-    <p:sldId id="271" r:id="rId18"/>
+    <p:sldId id="271" r:id="rId13"/>
+    <p:sldId id="273" r:id="rId14"/>
+    <p:sldId id="277" r:id="rId15"/>
+    <p:sldId id="274" r:id="rId16"/>
+    <p:sldId id="275" r:id="rId17"/>
+    <p:sldId id="276" r:id="rId18"/>
+    <p:sldId id="272" r:id="rId19"/>
   </p:sldIdLst>
   <p:sldSz cx="12192000" cy="6858000"/>
   <p:notesSz cx="6858000" cy="9144000"/>
@@ -275,7 +276,7 @@
           <a:p>
             <a:fld id="{AD7EFAF3-100B-4256-A6D3-83084E54E267}" type="datetimeFigureOut">
               <a:rPr lang="nl-NL" smtClean="0"/>
-              <a:t>13-2-2019</a:t>
+              <a:t>14-2-2019</a:t>
             </a:fld>
             <a:endParaRPr lang="nl-NL"/>
           </a:p>
@@ -473,7 +474,7 @@
           <a:p>
             <a:fld id="{AD7EFAF3-100B-4256-A6D3-83084E54E267}" type="datetimeFigureOut">
               <a:rPr lang="nl-NL" smtClean="0"/>
-              <a:t>13-2-2019</a:t>
+              <a:t>14-2-2019</a:t>
             </a:fld>
             <a:endParaRPr lang="nl-NL"/>
           </a:p>
@@ -681,7 +682,7 @@
           <a:p>
             <a:fld id="{AD7EFAF3-100B-4256-A6D3-83084E54E267}" type="datetimeFigureOut">
               <a:rPr lang="nl-NL" smtClean="0"/>
-              <a:t>13-2-2019</a:t>
+              <a:t>14-2-2019</a:t>
             </a:fld>
             <a:endParaRPr lang="nl-NL"/>
           </a:p>
@@ -879,7 +880,7 @@
           <a:p>
             <a:fld id="{AD7EFAF3-100B-4256-A6D3-83084E54E267}" type="datetimeFigureOut">
               <a:rPr lang="nl-NL" smtClean="0"/>
-              <a:t>13-2-2019</a:t>
+              <a:t>14-2-2019</a:t>
             </a:fld>
             <a:endParaRPr lang="nl-NL"/>
           </a:p>
@@ -1154,7 +1155,7 @@
           <a:p>
             <a:fld id="{AD7EFAF3-100B-4256-A6D3-83084E54E267}" type="datetimeFigureOut">
               <a:rPr lang="nl-NL" smtClean="0"/>
-              <a:t>13-2-2019</a:t>
+              <a:t>14-2-2019</a:t>
             </a:fld>
             <a:endParaRPr lang="nl-NL"/>
           </a:p>
@@ -1419,7 +1420,7 @@
           <a:p>
             <a:fld id="{AD7EFAF3-100B-4256-A6D3-83084E54E267}" type="datetimeFigureOut">
               <a:rPr lang="nl-NL" smtClean="0"/>
-              <a:t>13-2-2019</a:t>
+              <a:t>14-2-2019</a:t>
             </a:fld>
             <a:endParaRPr lang="nl-NL"/>
           </a:p>
@@ -1831,7 +1832,7 @@
           <a:p>
             <a:fld id="{AD7EFAF3-100B-4256-A6D3-83084E54E267}" type="datetimeFigureOut">
               <a:rPr lang="nl-NL" smtClean="0"/>
-              <a:t>13-2-2019</a:t>
+              <a:t>14-2-2019</a:t>
             </a:fld>
             <a:endParaRPr lang="nl-NL"/>
           </a:p>
@@ -1972,7 +1973,7 @@
           <a:p>
             <a:fld id="{AD7EFAF3-100B-4256-A6D3-83084E54E267}" type="datetimeFigureOut">
               <a:rPr lang="nl-NL" smtClean="0"/>
-              <a:t>13-2-2019</a:t>
+              <a:t>14-2-2019</a:t>
             </a:fld>
             <a:endParaRPr lang="nl-NL"/>
           </a:p>
@@ -2085,7 +2086,7 @@
           <a:p>
             <a:fld id="{AD7EFAF3-100B-4256-A6D3-83084E54E267}" type="datetimeFigureOut">
               <a:rPr lang="nl-NL" smtClean="0"/>
-              <a:t>13-2-2019</a:t>
+              <a:t>14-2-2019</a:t>
             </a:fld>
             <a:endParaRPr lang="nl-NL"/>
           </a:p>
@@ -2396,7 +2397,7 @@
           <a:p>
             <a:fld id="{AD7EFAF3-100B-4256-A6D3-83084E54E267}" type="datetimeFigureOut">
               <a:rPr lang="nl-NL" smtClean="0"/>
-              <a:t>13-2-2019</a:t>
+              <a:t>14-2-2019</a:t>
             </a:fld>
             <a:endParaRPr lang="nl-NL"/>
           </a:p>
@@ -2684,7 +2685,7 @@
           <a:p>
             <a:fld id="{AD7EFAF3-100B-4256-A6D3-83084E54E267}" type="datetimeFigureOut">
               <a:rPr lang="nl-NL" smtClean="0"/>
-              <a:t>13-2-2019</a:t>
+              <a:t>14-2-2019</a:t>
             </a:fld>
             <a:endParaRPr lang="nl-NL"/>
           </a:p>
@@ -2925,7 +2926,7 @@
           <a:p>
             <a:fld id="{AD7EFAF3-100B-4256-A6D3-83084E54E267}" type="datetimeFigureOut">
               <a:rPr lang="nl-NL" smtClean="0"/>
-              <a:t>13-2-2019</a:t>
+              <a:t>14-2-2019</a:t>
             </a:fld>
             <a:endParaRPr lang="nl-NL"/>
           </a:p>
@@ -3404,7 +3405,10 @@
               <a:rPr lang="nl-NL" dirty="0" err="1"/>
               <a:t>Tadema</a:t>
             </a:r>
-            <a:endParaRPr lang="nl-NL" dirty="0"/>
+            <a:r>
+              <a:rPr lang="nl-NL" dirty="0"/>
+              <a:t>, 14 februari 2019</a:t>
+            </a:r>
           </a:p>
         </p:txBody>
       </p:sp>
@@ -3502,6 +3506,12 @@
           <a:p>
             <a:r>
               <a:rPr lang="nl-NL" dirty="0"/>
+              <a:t>Efficiënt omgaan met data</a:t>
+            </a:r>
+          </a:p>
+          <a:p>
+            <a:r>
+              <a:rPr lang="nl-NL" dirty="0"/>
               <a:t>Snel en flexibel vernieuwen</a:t>
             </a:r>
           </a:p>
@@ -3515,12 +3525,6 @@
             <a:r>
               <a:rPr lang="nl-NL" dirty="0"/>
               <a:t>Waarborgen informatieveiligheid en privacy</a:t>
-            </a:r>
-          </a:p>
-          <a:p>
-            <a:r>
-              <a:rPr lang="nl-NL" dirty="0"/>
-              <a:t>Efficiënt omgaan met data</a:t>
             </a:r>
           </a:p>
           <a:p>
@@ -4210,6 +4214,199 @@
           <p:cNvPr id="2" name="Titel 1">
             <a:extLst>
               <a:ext uri="{FF2B5EF4-FFF2-40B4-BE49-F238E27FC236}">
+                <a16:creationId xmlns:a16="http://schemas.microsoft.com/office/drawing/2014/main" id="{5EA1D07B-1848-476A-B962-5857BB611C3D}"/>
+              </a:ext>
+            </a:extLst>
+          </p:cNvPr>
+          <p:cNvSpPr>
+            <a:spLocks noGrp="1"/>
+          </p:cNvSpPr>
+          <p:nvPr>
+            <p:ph type="title"/>
+          </p:nvPr>
+        </p:nvSpPr>
+        <p:spPr/>
+        <p:txBody>
+          <a:bodyPr/>
+          <a:lstStyle/>
+          <a:p>
+            <a:r>
+              <a:rPr lang="nl-NL" dirty="0"/>
+              <a:t>Wanneer is een API oké?</a:t>
+            </a:r>
+          </a:p>
+        </p:txBody>
+      </p:sp>
+      <p:sp>
+        <p:nvSpPr>
+          <p:cNvPr id="3" name="Tijdelijke aanduiding voor inhoud 2">
+            <a:extLst>
+              <a:ext uri="{FF2B5EF4-FFF2-40B4-BE49-F238E27FC236}">
+                <a16:creationId xmlns:a16="http://schemas.microsoft.com/office/drawing/2014/main" id="{F6AAC1CE-C563-4927-85D4-1B6A9D2DA580}"/>
+              </a:ext>
+            </a:extLst>
+          </p:cNvPr>
+          <p:cNvSpPr>
+            <a:spLocks noGrp="1"/>
+          </p:cNvSpPr>
+          <p:nvPr>
+            <p:ph idx="1"/>
+          </p:nvPr>
+        </p:nvSpPr>
+        <p:spPr/>
+        <p:txBody>
+          <a:bodyPr>
+            <a:normAutofit/>
+          </a:bodyPr>
+          <a:lstStyle/>
+          <a:p>
+            <a:r>
+              <a:rPr lang="nl-NL" dirty="0"/>
+              <a:t>Het is een API en </a:t>
+            </a:r>
+            <a:r>
+              <a:rPr lang="nl-NL" i="1" dirty="0"/>
+              <a:t>dus</a:t>
+            </a:r>
+            <a:r>
+              <a:rPr lang="nl-NL" dirty="0"/>
+              <a:t> goed</a:t>
+            </a:r>
+            <a:endParaRPr lang="nl-NL" sz="2800" dirty="0"/>
+          </a:p>
+          <a:p>
+            <a:r>
+              <a:rPr lang="nl-NL" sz="2800" dirty="0" err="1"/>
+              <a:t>API’s</a:t>
+            </a:r>
+            <a:r>
+              <a:rPr lang="nl-NL" sz="2800" dirty="0"/>
+              <a:t> zijn géén bijproduct!</a:t>
+            </a:r>
+          </a:p>
+          <a:p>
+            <a:r>
+              <a:rPr lang="nl-NL" dirty="0"/>
+              <a:t>Bij ontwerp en bouw rekening houden met hergebruik</a:t>
+            </a:r>
+          </a:p>
+          <a:p>
+            <a:r>
+              <a:rPr lang="nl-NL" dirty="0"/>
+              <a:t>Generieke interface, betekenisvol voor (potentiële) afnemers</a:t>
+            </a:r>
+          </a:p>
+          <a:p>
+            <a:r>
+              <a:rPr lang="nl-NL" dirty="0"/>
+              <a:t>Documentatie op orde</a:t>
+            </a:r>
+          </a:p>
+          <a:p>
+            <a:r>
+              <a:rPr lang="nl-NL" dirty="0"/>
+              <a:t>Versiebeheer op orde</a:t>
+            </a:r>
+          </a:p>
+          <a:p>
+            <a:r>
+              <a:rPr lang="nl-NL" dirty="0"/>
+              <a:t>Voorzieningen voor zoeken &amp; vinden van </a:t>
+            </a:r>
+            <a:r>
+              <a:rPr lang="nl-NL" dirty="0" err="1"/>
+              <a:t>API’s</a:t>
+            </a:r>
+            <a:br>
+              <a:rPr lang="nl-NL" dirty="0"/>
+            </a:br>
+            <a:endParaRPr lang="nl-NL" sz="2800" dirty="0"/>
+          </a:p>
+          <a:p>
+            <a:endParaRPr lang="nl-NL" sz="2800" dirty="0"/>
+          </a:p>
+          <a:p>
+            <a:pPr marL="457200" lvl="1" indent="0">
+              <a:buNone/>
+            </a:pPr>
+            <a:endParaRPr lang="nl-NL" sz="2800" dirty="0"/>
+          </a:p>
+        </p:txBody>
+      </p:sp>
+      <p:cxnSp>
+        <p:nvCxnSpPr>
+          <p:cNvPr id="5" name="Rechte verbindingslijn 4">
+            <a:extLst>
+              <a:ext uri="{FF2B5EF4-FFF2-40B4-BE49-F238E27FC236}">
+                <a16:creationId xmlns:a16="http://schemas.microsoft.com/office/drawing/2014/main" id="{975B3BA4-A1F7-43F8-8632-FF33ED16D6D4}"/>
+              </a:ext>
+            </a:extLst>
+          </p:cNvPr>
+          <p:cNvCxnSpPr>
+            <a:cxnSpLocks/>
+          </p:cNvCxnSpPr>
+          <p:nvPr/>
+        </p:nvCxnSpPr>
+        <p:spPr>
+          <a:xfrm flipH="1">
+            <a:off x="600076" y="2047875"/>
+            <a:ext cx="4819649" cy="0"/>
+          </a:xfrm>
+          <a:prstGeom prst="line">
+            <a:avLst/>
+          </a:prstGeom>
+          <a:ln w="28575"/>
+        </p:spPr>
+        <p:style>
+          <a:lnRef idx="3">
+            <a:schemeClr val="dk1"/>
+          </a:lnRef>
+          <a:fillRef idx="0">
+            <a:schemeClr val="dk1"/>
+          </a:fillRef>
+          <a:effectRef idx="2">
+            <a:schemeClr val="dk1"/>
+          </a:effectRef>
+          <a:fontRef idx="minor">
+            <a:schemeClr val="tx1"/>
+          </a:fontRef>
+        </p:style>
+      </p:cxnSp>
+    </p:spTree>
+    <p:extLst>
+      <p:ext uri="{BB962C8B-B14F-4D97-AF65-F5344CB8AC3E}">
+        <p14:creationId xmlns:p14="http://schemas.microsoft.com/office/powerpoint/2010/main" val="3263791440"/>
+      </p:ext>
+    </p:extLst>
+  </p:cSld>
+  <p:clrMapOvr>
+    <a:masterClrMapping/>
+  </p:clrMapOvr>
+</p:sld>
+</file>
+
+<file path=ppt/slides/slide13.xml><?xml version="1.0" encoding="utf-8"?>
+<p:sld xmlns:a="http://schemas.openxmlformats.org/drawingml/2006/main" xmlns:r="http://schemas.openxmlformats.org/officeDocument/2006/relationships" xmlns:p="http://schemas.openxmlformats.org/presentationml/2006/main">
+  <p:cSld>
+    <p:spTree>
+      <p:nvGrpSpPr>
+        <p:cNvPr id="1" name=""/>
+        <p:cNvGrpSpPr/>
+        <p:nvPr/>
+      </p:nvGrpSpPr>
+      <p:grpSpPr>
+        <a:xfrm>
+          <a:off x="0" y="0"/>
+          <a:ext cx="0" cy="0"/>
+          <a:chOff x="0" y="0"/>
+          <a:chExt cx="0" cy="0"/>
+        </a:xfrm>
+      </p:grpSpPr>
+      <p:sp>
+        <p:nvSpPr>
+          <p:cNvPr id="2" name="Titel 1">
+            <a:extLst>
+              <a:ext uri="{FF2B5EF4-FFF2-40B4-BE49-F238E27FC236}">
                 <a16:creationId xmlns:a16="http://schemas.microsoft.com/office/drawing/2014/main" id="{C9AA0B66-E799-4AB7-A01C-F1C3F9B7E8BC}"/>
               </a:ext>
             </a:extLst>
@@ -4268,7 +4465,647 @@
 </p:sld>
 </file>
 
-<file path=ppt/slides/slide13.xml><?xml version="1.0" encoding="utf-8"?>
+<file path=ppt/slides/slide14.xml><?xml version="1.0" encoding="utf-8"?>
+<p:sld xmlns:a="http://schemas.openxmlformats.org/drawingml/2006/main" xmlns:r="http://schemas.openxmlformats.org/officeDocument/2006/relationships" xmlns:p="http://schemas.openxmlformats.org/presentationml/2006/main">
+  <p:cSld>
+    <p:spTree>
+      <p:nvGrpSpPr>
+        <p:cNvPr id="1" name=""/>
+        <p:cNvGrpSpPr/>
+        <p:nvPr/>
+      </p:nvGrpSpPr>
+      <p:grpSpPr>
+        <a:xfrm>
+          <a:off x="0" y="0"/>
+          <a:ext cx="0" cy="0"/>
+          <a:chOff x="0" y="0"/>
+          <a:chExt cx="0" cy="0"/>
+        </a:xfrm>
+      </p:grpSpPr>
+      <p:sp>
+        <p:nvSpPr>
+          <p:cNvPr id="2" name="Titel 1">
+            <a:extLst>
+              <a:ext uri="{FF2B5EF4-FFF2-40B4-BE49-F238E27FC236}">
+                <a16:creationId xmlns:a16="http://schemas.microsoft.com/office/drawing/2014/main" id="{5EA1D07B-1848-476A-B962-5857BB611C3D}"/>
+              </a:ext>
+            </a:extLst>
+          </p:cNvPr>
+          <p:cNvSpPr>
+            <a:spLocks noGrp="1"/>
+          </p:cNvSpPr>
+          <p:nvPr>
+            <p:ph type="title"/>
+          </p:nvPr>
+        </p:nvSpPr>
+        <p:spPr/>
+        <p:txBody>
+          <a:bodyPr/>
+          <a:lstStyle/>
+          <a:p>
+            <a:r>
+              <a:rPr lang="nl-NL" dirty="0" err="1"/>
+              <a:t>Request</a:t>
+            </a:r>
+            <a:r>
+              <a:rPr lang="nl-NL" dirty="0"/>
+              <a:t> &amp; Response</a:t>
+            </a:r>
+          </a:p>
+        </p:txBody>
+      </p:sp>
+      <p:grpSp>
+        <p:nvGrpSpPr>
+          <p:cNvPr id="16" name="Groep 15">
+            <a:extLst>
+              <a:ext uri="{FF2B5EF4-FFF2-40B4-BE49-F238E27FC236}">
+                <a16:creationId xmlns:a16="http://schemas.microsoft.com/office/drawing/2014/main" id="{29CE6A1E-BD27-4BD6-A817-16F406584E81}"/>
+              </a:ext>
+            </a:extLst>
+          </p:cNvPr>
+          <p:cNvGrpSpPr/>
+          <p:nvPr/>
+        </p:nvGrpSpPr>
+        <p:grpSpPr>
+          <a:xfrm>
+            <a:off x="1537335" y="2448956"/>
+            <a:ext cx="7847330" cy="3204567"/>
+            <a:chOff x="2096135" y="2779156"/>
+            <a:chExt cx="7847330" cy="3204567"/>
+          </a:xfrm>
+        </p:grpSpPr>
+        <p:sp>
+          <p:nvSpPr>
+            <p:cNvPr id="6" name="Rechthoek 5">
+              <a:extLst>
+                <a:ext uri="{FF2B5EF4-FFF2-40B4-BE49-F238E27FC236}">
+                  <a16:creationId xmlns:a16="http://schemas.microsoft.com/office/drawing/2014/main" id="{40951127-FBFB-44E9-9150-60683168AE6F}"/>
+                </a:ext>
+              </a:extLst>
+            </p:cNvPr>
+            <p:cNvSpPr/>
+            <p:nvPr/>
+          </p:nvSpPr>
+          <p:spPr>
+            <a:xfrm>
+              <a:off x="4836160" y="3159760"/>
+              <a:ext cx="2367280" cy="2367280"/>
+            </a:xfrm>
+            <a:prstGeom prst="rect">
+              <a:avLst/>
+            </a:prstGeom>
+            <a:solidFill>
+              <a:srgbClr val="EB4E49"/>
+            </a:solidFill>
+            <a:ln w="63500">
+              <a:solidFill>
+                <a:srgbClr val="D4332C"/>
+              </a:solidFill>
+            </a:ln>
+          </p:spPr>
+          <p:style>
+            <a:lnRef idx="2">
+              <a:schemeClr val="accent1">
+                <a:shade val="50000"/>
+              </a:schemeClr>
+            </a:lnRef>
+            <a:fillRef idx="1">
+              <a:schemeClr val="accent1"/>
+            </a:fillRef>
+            <a:effectRef idx="0">
+              <a:schemeClr val="accent1"/>
+            </a:effectRef>
+            <a:fontRef idx="minor">
+              <a:schemeClr val="lt1"/>
+            </a:fontRef>
+          </p:style>
+          <p:txBody>
+            <a:bodyPr rtlCol="0" anchor="ctr"/>
+            <a:lstStyle/>
+            <a:p>
+              <a:pPr algn="ctr"/>
+              <a:r>
+                <a:rPr lang="nl-NL" sz="4800" b="1" dirty="0">
+                  <a:latin typeface="Times New Roman" panose="02020603050405020304" pitchFamily="18" charset="0"/>
+                  <a:cs typeface="Times New Roman" panose="02020603050405020304" pitchFamily="18" charset="0"/>
+                </a:rPr>
+                <a:t>API</a:t>
+              </a:r>
+            </a:p>
+          </p:txBody>
+        </p:sp>
+        <p:sp>
+          <p:nvSpPr>
+            <p:cNvPr id="9" name="Ovaal 8">
+              <a:extLst>
+                <a:ext uri="{FF2B5EF4-FFF2-40B4-BE49-F238E27FC236}">
+                  <a16:creationId xmlns:a16="http://schemas.microsoft.com/office/drawing/2014/main" id="{E9F4B14C-E53A-47DC-AA2A-86BC7E7F026D}"/>
+                </a:ext>
+              </a:extLst>
+            </p:cNvPr>
+            <p:cNvSpPr/>
+            <p:nvPr/>
+          </p:nvSpPr>
+          <p:spPr>
+            <a:xfrm>
+              <a:off x="7581900" y="3165475"/>
+              <a:ext cx="2361565" cy="2361565"/>
+            </a:xfrm>
+            <a:prstGeom prst="ellipse">
+              <a:avLst/>
+            </a:prstGeom>
+            <a:solidFill>
+              <a:srgbClr val="816FB3"/>
+            </a:solidFill>
+            <a:ln w="63500">
+              <a:solidFill>
+                <a:srgbClr val="5F4EA1"/>
+              </a:solidFill>
+            </a:ln>
+          </p:spPr>
+          <p:style>
+            <a:lnRef idx="2">
+              <a:schemeClr val="accent1">
+                <a:shade val="50000"/>
+              </a:schemeClr>
+            </a:lnRef>
+            <a:fillRef idx="1">
+              <a:schemeClr val="accent1"/>
+            </a:fillRef>
+            <a:effectRef idx="0">
+              <a:schemeClr val="accent1"/>
+            </a:effectRef>
+            <a:fontRef idx="minor">
+              <a:schemeClr val="lt1"/>
+            </a:fontRef>
+          </p:style>
+          <p:txBody>
+            <a:bodyPr rtlCol="0" anchor="ctr"/>
+            <a:lstStyle/>
+            <a:p>
+              <a:pPr algn="ctr"/>
+              <a:r>
+                <a:rPr lang="nl-NL" sz="2800" b="1" dirty="0">
+                  <a:latin typeface="Times New Roman" panose="02020603050405020304" pitchFamily="18" charset="0"/>
+                  <a:cs typeface="Times New Roman" panose="02020603050405020304" pitchFamily="18" charset="0"/>
+                </a:rPr>
+                <a:t>SERVER</a:t>
+              </a:r>
+            </a:p>
+          </p:txBody>
+        </p:sp>
+        <p:sp>
+          <p:nvSpPr>
+            <p:cNvPr id="10" name="Ovaal 9">
+              <a:extLst>
+                <a:ext uri="{FF2B5EF4-FFF2-40B4-BE49-F238E27FC236}">
+                  <a16:creationId xmlns:a16="http://schemas.microsoft.com/office/drawing/2014/main" id="{713AD49D-21D8-4739-B142-9F7E43557383}"/>
+                </a:ext>
+              </a:extLst>
+            </p:cNvPr>
+            <p:cNvSpPr/>
+            <p:nvPr/>
+          </p:nvSpPr>
+          <p:spPr>
+            <a:xfrm>
+              <a:off x="2096135" y="3214687"/>
+              <a:ext cx="2361565" cy="2361565"/>
+            </a:xfrm>
+            <a:prstGeom prst="ellipse">
+              <a:avLst/>
+            </a:prstGeom>
+            <a:solidFill>
+              <a:srgbClr val="27AAE5"/>
+            </a:solidFill>
+            <a:ln w="63500">
+              <a:solidFill>
+                <a:srgbClr val="268BCF"/>
+              </a:solidFill>
+            </a:ln>
+          </p:spPr>
+          <p:style>
+            <a:lnRef idx="2">
+              <a:schemeClr val="accent1">
+                <a:shade val="50000"/>
+              </a:schemeClr>
+            </a:lnRef>
+            <a:fillRef idx="1">
+              <a:schemeClr val="accent1"/>
+            </a:fillRef>
+            <a:effectRef idx="0">
+              <a:schemeClr val="accent1"/>
+            </a:effectRef>
+            <a:fontRef idx="minor">
+              <a:schemeClr val="lt1"/>
+            </a:fontRef>
+          </p:style>
+          <p:txBody>
+            <a:bodyPr rtlCol="0" anchor="ctr"/>
+            <a:lstStyle/>
+            <a:p>
+              <a:pPr algn="ctr"/>
+              <a:r>
+                <a:rPr lang="nl-NL" sz="2800" b="1" dirty="0">
+                  <a:latin typeface="Times New Roman" panose="02020603050405020304" pitchFamily="18" charset="0"/>
+                  <a:cs typeface="Times New Roman" panose="02020603050405020304" pitchFamily="18" charset="0"/>
+                </a:rPr>
+                <a:t>CLIENT</a:t>
+              </a:r>
+            </a:p>
+          </p:txBody>
+        </p:sp>
+        <p:sp>
+          <p:nvSpPr>
+            <p:cNvPr id="12" name="Pijl: rechts 11">
+              <a:extLst>
+                <a:ext uri="{FF2B5EF4-FFF2-40B4-BE49-F238E27FC236}">
+                  <a16:creationId xmlns:a16="http://schemas.microsoft.com/office/drawing/2014/main" id="{AB44D8C9-C247-4135-B8CD-514EF2DB38A8}"/>
+                </a:ext>
+              </a:extLst>
+            </p:cNvPr>
+            <p:cNvSpPr/>
+            <p:nvPr/>
+          </p:nvSpPr>
+          <p:spPr>
+            <a:xfrm>
+              <a:off x="4567766" y="2779156"/>
+              <a:ext cx="2971799" cy="814943"/>
+            </a:xfrm>
+            <a:custGeom>
+              <a:avLst/>
+              <a:gdLst>
+                <a:gd name="connsiteX0" fmla="*/ 0 w 2971799"/>
+                <a:gd name="connsiteY0" fmla="*/ 203736 h 814943"/>
+                <a:gd name="connsiteX1" fmla="*/ 2089990 w 2971799"/>
+                <a:gd name="connsiteY1" fmla="*/ 203736 h 814943"/>
+                <a:gd name="connsiteX2" fmla="*/ 2089990 w 2971799"/>
+                <a:gd name="connsiteY2" fmla="*/ 0 h 814943"/>
+                <a:gd name="connsiteX3" fmla="*/ 2971799 w 2971799"/>
+                <a:gd name="connsiteY3" fmla="*/ 407472 h 814943"/>
+                <a:gd name="connsiteX4" fmla="*/ 2089990 w 2971799"/>
+                <a:gd name="connsiteY4" fmla="*/ 814943 h 814943"/>
+                <a:gd name="connsiteX5" fmla="*/ 2089990 w 2971799"/>
+                <a:gd name="connsiteY5" fmla="*/ 611207 h 814943"/>
+                <a:gd name="connsiteX6" fmla="*/ 0 w 2971799"/>
+                <a:gd name="connsiteY6" fmla="*/ 611207 h 814943"/>
+                <a:gd name="connsiteX7" fmla="*/ 0 w 2971799"/>
+                <a:gd name="connsiteY7" fmla="*/ 203736 h 814943"/>
+                <a:gd name="connsiteX0" fmla="*/ 0 w 2971799"/>
+                <a:gd name="connsiteY0" fmla="*/ 203736 h 814943"/>
+                <a:gd name="connsiteX1" fmla="*/ 2191590 w 2971799"/>
+                <a:gd name="connsiteY1" fmla="*/ 195269 h 814943"/>
+                <a:gd name="connsiteX2" fmla="*/ 2089990 w 2971799"/>
+                <a:gd name="connsiteY2" fmla="*/ 0 h 814943"/>
+                <a:gd name="connsiteX3" fmla="*/ 2971799 w 2971799"/>
+                <a:gd name="connsiteY3" fmla="*/ 407472 h 814943"/>
+                <a:gd name="connsiteX4" fmla="*/ 2089990 w 2971799"/>
+                <a:gd name="connsiteY4" fmla="*/ 814943 h 814943"/>
+                <a:gd name="connsiteX5" fmla="*/ 2089990 w 2971799"/>
+                <a:gd name="connsiteY5" fmla="*/ 611207 h 814943"/>
+                <a:gd name="connsiteX6" fmla="*/ 0 w 2971799"/>
+                <a:gd name="connsiteY6" fmla="*/ 611207 h 814943"/>
+                <a:gd name="connsiteX7" fmla="*/ 0 w 2971799"/>
+                <a:gd name="connsiteY7" fmla="*/ 203736 h 814943"/>
+                <a:gd name="connsiteX0" fmla="*/ 0 w 2971799"/>
+                <a:gd name="connsiteY0" fmla="*/ 203736 h 814943"/>
+                <a:gd name="connsiteX1" fmla="*/ 2191590 w 2971799"/>
+                <a:gd name="connsiteY1" fmla="*/ 195269 h 814943"/>
+                <a:gd name="connsiteX2" fmla="*/ 2089990 w 2971799"/>
+                <a:gd name="connsiteY2" fmla="*/ 0 h 814943"/>
+                <a:gd name="connsiteX3" fmla="*/ 2971799 w 2971799"/>
+                <a:gd name="connsiteY3" fmla="*/ 407472 h 814943"/>
+                <a:gd name="connsiteX4" fmla="*/ 2089990 w 2971799"/>
+                <a:gd name="connsiteY4" fmla="*/ 814943 h 814943"/>
+                <a:gd name="connsiteX5" fmla="*/ 2216990 w 2971799"/>
+                <a:gd name="connsiteY5" fmla="*/ 594273 h 814943"/>
+                <a:gd name="connsiteX6" fmla="*/ 0 w 2971799"/>
+                <a:gd name="connsiteY6" fmla="*/ 611207 h 814943"/>
+                <a:gd name="connsiteX7" fmla="*/ 0 w 2971799"/>
+                <a:gd name="connsiteY7" fmla="*/ 203736 h 814943"/>
+              </a:gdLst>
+              <a:ahLst/>
+              <a:cxnLst>
+                <a:cxn ang="0">
+                  <a:pos x="connsiteX0" y="connsiteY0"/>
+                </a:cxn>
+                <a:cxn ang="0">
+                  <a:pos x="connsiteX1" y="connsiteY1"/>
+                </a:cxn>
+                <a:cxn ang="0">
+                  <a:pos x="connsiteX2" y="connsiteY2"/>
+                </a:cxn>
+                <a:cxn ang="0">
+                  <a:pos x="connsiteX3" y="connsiteY3"/>
+                </a:cxn>
+                <a:cxn ang="0">
+                  <a:pos x="connsiteX4" y="connsiteY4"/>
+                </a:cxn>
+                <a:cxn ang="0">
+                  <a:pos x="connsiteX5" y="connsiteY5"/>
+                </a:cxn>
+                <a:cxn ang="0">
+                  <a:pos x="connsiteX6" y="connsiteY6"/>
+                </a:cxn>
+                <a:cxn ang="0">
+                  <a:pos x="connsiteX7" y="connsiteY7"/>
+                </a:cxn>
+              </a:cxnLst>
+              <a:rect l="l" t="t" r="r" b="b"/>
+              <a:pathLst>
+                <a:path w="2971799" h="814943">
+                  <a:moveTo>
+                    <a:pt x="0" y="203736"/>
+                  </a:moveTo>
+                  <a:lnTo>
+                    <a:pt x="2191590" y="195269"/>
+                  </a:lnTo>
+                  <a:lnTo>
+                    <a:pt x="2089990" y="0"/>
+                  </a:lnTo>
+                  <a:lnTo>
+                    <a:pt x="2971799" y="407472"/>
+                  </a:lnTo>
+                  <a:lnTo>
+                    <a:pt x="2089990" y="814943"/>
+                  </a:lnTo>
+                  <a:lnTo>
+                    <a:pt x="2216990" y="594273"/>
+                  </a:lnTo>
+                  <a:lnTo>
+                    <a:pt x="0" y="611207"/>
+                  </a:lnTo>
+                  <a:lnTo>
+                    <a:pt x="0" y="203736"/>
+                  </a:lnTo>
+                  <a:close/>
+                </a:path>
+              </a:pathLst>
+            </a:custGeom>
+            <a:solidFill>
+              <a:srgbClr val="87B13F"/>
+            </a:solidFill>
+            <a:ln w="31750">
+              <a:solidFill>
+                <a:srgbClr val="D1E36D"/>
+              </a:solidFill>
+            </a:ln>
+          </p:spPr>
+          <p:style>
+            <a:lnRef idx="2">
+              <a:schemeClr val="accent1">
+                <a:shade val="50000"/>
+              </a:schemeClr>
+            </a:lnRef>
+            <a:fillRef idx="1">
+              <a:schemeClr val="accent1"/>
+            </a:fillRef>
+            <a:effectRef idx="0">
+              <a:schemeClr val="accent1"/>
+            </a:effectRef>
+            <a:fontRef idx="minor">
+              <a:schemeClr val="lt1"/>
+            </a:fontRef>
+          </p:style>
+          <p:txBody>
+            <a:bodyPr rtlCol="0" anchor="ctr"/>
+            <a:lstStyle/>
+            <a:p>
+              <a:pPr algn="ctr"/>
+              <a:r>
+                <a:rPr lang="nl-NL" b="1" dirty="0">
+                  <a:latin typeface="Times New Roman" panose="02020603050405020304" pitchFamily="18" charset="0"/>
+                  <a:cs typeface="Times New Roman" panose="02020603050405020304" pitchFamily="18" charset="0"/>
+                </a:rPr>
+                <a:t>REQUEST</a:t>
+              </a:r>
+            </a:p>
+          </p:txBody>
+        </p:sp>
+        <p:sp>
+          <p:nvSpPr>
+            <p:cNvPr id="14" name="Pijl: rechts 11">
+              <a:extLst>
+                <a:ext uri="{FF2B5EF4-FFF2-40B4-BE49-F238E27FC236}">
+                  <a16:creationId xmlns:a16="http://schemas.microsoft.com/office/drawing/2014/main" id="{AD350D42-DB54-4347-B7B2-131E235F67AA}"/>
+                </a:ext>
+              </a:extLst>
+            </p:cNvPr>
+            <p:cNvSpPr/>
+            <p:nvPr/>
+          </p:nvSpPr>
+          <p:spPr>
+            <a:xfrm rot="10800000">
+              <a:off x="4457700" y="5168780"/>
+              <a:ext cx="2971799" cy="814943"/>
+            </a:xfrm>
+            <a:custGeom>
+              <a:avLst/>
+              <a:gdLst>
+                <a:gd name="connsiteX0" fmla="*/ 0 w 2971799"/>
+                <a:gd name="connsiteY0" fmla="*/ 203736 h 814943"/>
+                <a:gd name="connsiteX1" fmla="*/ 2089990 w 2971799"/>
+                <a:gd name="connsiteY1" fmla="*/ 203736 h 814943"/>
+                <a:gd name="connsiteX2" fmla="*/ 2089990 w 2971799"/>
+                <a:gd name="connsiteY2" fmla="*/ 0 h 814943"/>
+                <a:gd name="connsiteX3" fmla="*/ 2971799 w 2971799"/>
+                <a:gd name="connsiteY3" fmla="*/ 407472 h 814943"/>
+                <a:gd name="connsiteX4" fmla="*/ 2089990 w 2971799"/>
+                <a:gd name="connsiteY4" fmla="*/ 814943 h 814943"/>
+                <a:gd name="connsiteX5" fmla="*/ 2089990 w 2971799"/>
+                <a:gd name="connsiteY5" fmla="*/ 611207 h 814943"/>
+                <a:gd name="connsiteX6" fmla="*/ 0 w 2971799"/>
+                <a:gd name="connsiteY6" fmla="*/ 611207 h 814943"/>
+                <a:gd name="connsiteX7" fmla="*/ 0 w 2971799"/>
+                <a:gd name="connsiteY7" fmla="*/ 203736 h 814943"/>
+                <a:gd name="connsiteX0" fmla="*/ 0 w 2971799"/>
+                <a:gd name="connsiteY0" fmla="*/ 203736 h 814943"/>
+                <a:gd name="connsiteX1" fmla="*/ 2191590 w 2971799"/>
+                <a:gd name="connsiteY1" fmla="*/ 195269 h 814943"/>
+                <a:gd name="connsiteX2" fmla="*/ 2089990 w 2971799"/>
+                <a:gd name="connsiteY2" fmla="*/ 0 h 814943"/>
+                <a:gd name="connsiteX3" fmla="*/ 2971799 w 2971799"/>
+                <a:gd name="connsiteY3" fmla="*/ 407472 h 814943"/>
+                <a:gd name="connsiteX4" fmla="*/ 2089990 w 2971799"/>
+                <a:gd name="connsiteY4" fmla="*/ 814943 h 814943"/>
+                <a:gd name="connsiteX5" fmla="*/ 2089990 w 2971799"/>
+                <a:gd name="connsiteY5" fmla="*/ 611207 h 814943"/>
+                <a:gd name="connsiteX6" fmla="*/ 0 w 2971799"/>
+                <a:gd name="connsiteY6" fmla="*/ 611207 h 814943"/>
+                <a:gd name="connsiteX7" fmla="*/ 0 w 2971799"/>
+                <a:gd name="connsiteY7" fmla="*/ 203736 h 814943"/>
+                <a:gd name="connsiteX0" fmla="*/ 0 w 2971799"/>
+                <a:gd name="connsiteY0" fmla="*/ 203736 h 814943"/>
+                <a:gd name="connsiteX1" fmla="*/ 2191590 w 2971799"/>
+                <a:gd name="connsiteY1" fmla="*/ 195269 h 814943"/>
+                <a:gd name="connsiteX2" fmla="*/ 2089990 w 2971799"/>
+                <a:gd name="connsiteY2" fmla="*/ 0 h 814943"/>
+                <a:gd name="connsiteX3" fmla="*/ 2971799 w 2971799"/>
+                <a:gd name="connsiteY3" fmla="*/ 407472 h 814943"/>
+                <a:gd name="connsiteX4" fmla="*/ 2089990 w 2971799"/>
+                <a:gd name="connsiteY4" fmla="*/ 814943 h 814943"/>
+                <a:gd name="connsiteX5" fmla="*/ 2216990 w 2971799"/>
+                <a:gd name="connsiteY5" fmla="*/ 594273 h 814943"/>
+                <a:gd name="connsiteX6" fmla="*/ 0 w 2971799"/>
+                <a:gd name="connsiteY6" fmla="*/ 611207 h 814943"/>
+                <a:gd name="connsiteX7" fmla="*/ 0 w 2971799"/>
+                <a:gd name="connsiteY7" fmla="*/ 203736 h 814943"/>
+              </a:gdLst>
+              <a:ahLst/>
+              <a:cxnLst>
+                <a:cxn ang="0">
+                  <a:pos x="connsiteX0" y="connsiteY0"/>
+                </a:cxn>
+                <a:cxn ang="0">
+                  <a:pos x="connsiteX1" y="connsiteY1"/>
+                </a:cxn>
+                <a:cxn ang="0">
+                  <a:pos x="connsiteX2" y="connsiteY2"/>
+                </a:cxn>
+                <a:cxn ang="0">
+                  <a:pos x="connsiteX3" y="connsiteY3"/>
+                </a:cxn>
+                <a:cxn ang="0">
+                  <a:pos x="connsiteX4" y="connsiteY4"/>
+                </a:cxn>
+                <a:cxn ang="0">
+                  <a:pos x="connsiteX5" y="connsiteY5"/>
+                </a:cxn>
+                <a:cxn ang="0">
+                  <a:pos x="connsiteX6" y="connsiteY6"/>
+                </a:cxn>
+                <a:cxn ang="0">
+                  <a:pos x="connsiteX7" y="connsiteY7"/>
+                </a:cxn>
+              </a:cxnLst>
+              <a:rect l="l" t="t" r="r" b="b"/>
+              <a:pathLst>
+                <a:path w="2971799" h="814943">
+                  <a:moveTo>
+                    <a:pt x="0" y="203736"/>
+                  </a:moveTo>
+                  <a:lnTo>
+                    <a:pt x="2191590" y="195269"/>
+                  </a:lnTo>
+                  <a:lnTo>
+                    <a:pt x="2089990" y="0"/>
+                  </a:lnTo>
+                  <a:lnTo>
+                    <a:pt x="2971799" y="407472"/>
+                  </a:lnTo>
+                  <a:lnTo>
+                    <a:pt x="2089990" y="814943"/>
+                  </a:lnTo>
+                  <a:lnTo>
+                    <a:pt x="2216990" y="594273"/>
+                  </a:lnTo>
+                  <a:lnTo>
+                    <a:pt x="0" y="611207"/>
+                  </a:lnTo>
+                  <a:lnTo>
+                    <a:pt x="0" y="203736"/>
+                  </a:lnTo>
+                  <a:close/>
+                </a:path>
+              </a:pathLst>
+            </a:custGeom>
+            <a:solidFill>
+              <a:srgbClr val="87B13F"/>
+            </a:solidFill>
+            <a:ln w="31750">
+              <a:solidFill>
+                <a:srgbClr val="D1E36D"/>
+              </a:solidFill>
+            </a:ln>
+          </p:spPr>
+          <p:style>
+            <a:lnRef idx="2">
+              <a:schemeClr val="accent1">
+                <a:shade val="50000"/>
+              </a:schemeClr>
+            </a:lnRef>
+            <a:fillRef idx="1">
+              <a:schemeClr val="accent1"/>
+            </a:fillRef>
+            <a:effectRef idx="0">
+              <a:schemeClr val="accent1"/>
+            </a:effectRef>
+            <a:fontRef idx="minor">
+              <a:schemeClr val="lt1"/>
+            </a:fontRef>
+          </p:style>
+          <p:txBody>
+            <a:bodyPr rtlCol="0" anchor="ctr"/>
+            <a:lstStyle/>
+            <a:p>
+              <a:pPr algn="ctr"/>
+              <a:endParaRPr lang="nl-NL" b="1" dirty="0">
+                <a:latin typeface="Times New Roman" panose="02020603050405020304" pitchFamily="18" charset="0"/>
+                <a:cs typeface="Times New Roman" panose="02020603050405020304" pitchFamily="18" charset="0"/>
+              </a:endParaRPr>
+            </a:p>
+          </p:txBody>
+        </p:sp>
+        <p:sp>
+          <p:nvSpPr>
+            <p:cNvPr id="15" name="Tekstvak 14">
+              <a:extLst>
+                <a:ext uri="{FF2B5EF4-FFF2-40B4-BE49-F238E27FC236}">
+                  <a16:creationId xmlns:a16="http://schemas.microsoft.com/office/drawing/2014/main" id="{6096117E-B58E-43B3-8108-A5230C3B48F6}"/>
+                </a:ext>
+              </a:extLst>
+            </p:cNvPr>
+            <p:cNvSpPr txBox="1"/>
+            <p:nvPr/>
+          </p:nvSpPr>
+          <p:spPr>
+            <a:xfrm>
+              <a:off x="5325078" y="5388927"/>
+              <a:ext cx="1402948" cy="369332"/>
+            </a:xfrm>
+            <a:prstGeom prst="rect">
+              <a:avLst/>
+            </a:prstGeom>
+            <a:noFill/>
+          </p:spPr>
+          <p:txBody>
+            <a:bodyPr wrap="none" rtlCol="0">
+              <a:spAutoFit/>
+            </a:bodyPr>
+            <a:lstStyle/>
+            <a:p>
+              <a:r>
+                <a:rPr lang="nl-NL" b="1" dirty="0">
+                  <a:solidFill>
+                    <a:schemeClr val="bg1"/>
+                  </a:solidFill>
+                  <a:latin typeface="Times New Roman" panose="02020603050405020304" pitchFamily="18" charset="0"/>
+                  <a:cs typeface="Times New Roman" panose="02020603050405020304" pitchFamily="18" charset="0"/>
+                </a:rPr>
+                <a:t>RESPONSE</a:t>
+              </a:r>
+              <a:endParaRPr lang="nl-NL" dirty="0">
+                <a:solidFill>
+                  <a:schemeClr val="bg1"/>
+                </a:solidFill>
+              </a:endParaRPr>
+            </a:p>
+          </p:txBody>
+        </p:sp>
+      </p:grpSp>
+    </p:spTree>
+    <p:extLst>
+      <p:ext uri="{BB962C8B-B14F-4D97-AF65-F5344CB8AC3E}">
+        <p14:creationId xmlns:p14="http://schemas.microsoft.com/office/powerpoint/2010/main" val="3912981954"/>
+      </p:ext>
+    </p:extLst>
+  </p:cSld>
+  <p:clrMapOvr>
+    <a:masterClrMapping/>
+  </p:clrMapOvr>
+</p:sld>
+</file>
+
+<file path=ppt/slides/slide15.xml><?xml version="1.0" encoding="utf-8"?>
 <p:sld xmlns:a="http://schemas.openxmlformats.org/drawingml/2006/main" xmlns:r="http://schemas.openxmlformats.org/officeDocument/2006/relationships" xmlns:p="http://schemas.openxmlformats.org/presentationml/2006/main">
   <p:cSld>
     <p:spTree>
@@ -4773,7 +5610,7 @@
 </p:sld>
 </file>
 
-<file path=ppt/slides/slide14.xml><?xml version="1.0" encoding="utf-8"?>
+<file path=ppt/slides/slide16.xml><?xml version="1.0" encoding="utf-8"?>
 <p:sld xmlns:a="http://schemas.openxmlformats.org/drawingml/2006/main" xmlns:r="http://schemas.openxmlformats.org/officeDocument/2006/relationships" xmlns:p="http://schemas.openxmlformats.org/presentationml/2006/main">
   <p:cSld>
     <p:spTree>
@@ -5347,7 +6184,7 @@
 </p:sld>
 </file>
 
-<file path=ppt/slides/slide15.xml><?xml version="1.0" encoding="utf-8"?>
+<file path=ppt/slides/slide17.xml><?xml version="1.0" encoding="utf-8"?>
 <p:sld xmlns:a="http://schemas.openxmlformats.org/drawingml/2006/main" xmlns:r="http://schemas.openxmlformats.org/officeDocument/2006/relationships" xmlns:p="http://schemas.openxmlformats.org/presentationml/2006/main">
   <p:cSld>
     <p:spTree>
@@ -5768,7 +6605,7 @@
 </p:sld>
 </file>
 
-<file path=ppt/slides/slide16.xml><?xml version="1.0" encoding="utf-8"?>
+<file path=ppt/slides/slide18.xml><?xml version="1.0" encoding="utf-8"?>
 <p:sld xmlns:a="http://schemas.openxmlformats.org/drawingml/2006/main" xmlns:r="http://schemas.openxmlformats.org/officeDocument/2006/relationships" xmlns:p="http://schemas.openxmlformats.org/presentationml/2006/main">
   <p:cSld>
     <p:spTree>
@@ -5839,199 +6676,6 @@
     <p:extLst>
       <p:ext uri="{BB962C8B-B14F-4D97-AF65-F5344CB8AC3E}">
         <p14:creationId xmlns:p14="http://schemas.microsoft.com/office/powerpoint/2010/main" val="1335401767"/>
-      </p:ext>
-    </p:extLst>
-  </p:cSld>
-  <p:clrMapOvr>
-    <a:masterClrMapping/>
-  </p:clrMapOvr>
-</p:sld>
-</file>
-
-<file path=ppt/slides/slide17.xml><?xml version="1.0" encoding="utf-8"?>
-<p:sld xmlns:a="http://schemas.openxmlformats.org/drawingml/2006/main" xmlns:r="http://schemas.openxmlformats.org/officeDocument/2006/relationships" xmlns:p="http://schemas.openxmlformats.org/presentationml/2006/main">
-  <p:cSld>
-    <p:spTree>
-      <p:nvGrpSpPr>
-        <p:cNvPr id="1" name=""/>
-        <p:cNvGrpSpPr/>
-        <p:nvPr/>
-      </p:nvGrpSpPr>
-      <p:grpSpPr>
-        <a:xfrm>
-          <a:off x="0" y="0"/>
-          <a:ext cx="0" cy="0"/>
-          <a:chOff x="0" y="0"/>
-          <a:chExt cx="0" cy="0"/>
-        </a:xfrm>
-      </p:grpSpPr>
-      <p:sp>
-        <p:nvSpPr>
-          <p:cNvPr id="2" name="Titel 1">
-            <a:extLst>
-              <a:ext uri="{FF2B5EF4-FFF2-40B4-BE49-F238E27FC236}">
-                <a16:creationId xmlns:a16="http://schemas.microsoft.com/office/drawing/2014/main" id="{5EA1D07B-1848-476A-B962-5857BB611C3D}"/>
-              </a:ext>
-            </a:extLst>
-          </p:cNvPr>
-          <p:cNvSpPr>
-            <a:spLocks noGrp="1"/>
-          </p:cNvSpPr>
-          <p:nvPr>
-            <p:ph type="title"/>
-          </p:nvPr>
-        </p:nvSpPr>
-        <p:spPr/>
-        <p:txBody>
-          <a:bodyPr/>
-          <a:lstStyle/>
-          <a:p>
-            <a:r>
-              <a:rPr lang="nl-NL" dirty="0"/>
-              <a:t>Wanneer is een API oké?</a:t>
-            </a:r>
-          </a:p>
-        </p:txBody>
-      </p:sp>
-      <p:sp>
-        <p:nvSpPr>
-          <p:cNvPr id="3" name="Tijdelijke aanduiding voor inhoud 2">
-            <a:extLst>
-              <a:ext uri="{FF2B5EF4-FFF2-40B4-BE49-F238E27FC236}">
-                <a16:creationId xmlns:a16="http://schemas.microsoft.com/office/drawing/2014/main" id="{F6AAC1CE-C563-4927-85D4-1B6A9D2DA580}"/>
-              </a:ext>
-            </a:extLst>
-          </p:cNvPr>
-          <p:cNvSpPr>
-            <a:spLocks noGrp="1"/>
-          </p:cNvSpPr>
-          <p:nvPr>
-            <p:ph idx="1"/>
-          </p:nvPr>
-        </p:nvSpPr>
-        <p:spPr/>
-        <p:txBody>
-          <a:bodyPr>
-            <a:normAutofit/>
-          </a:bodyPr>
-          <a:lstStyle/>
-          <a:p>
-            <a:r>
-              <a:rPr lang="nl-NL" dirty="0"/>
-              <a:t>Het is een API en </a:t>
-            </a:r>
-            <a:r>
-              <a:rPr lang="nl-NL" i="1" dirty="0"/>
-              <a:t>dus</a:t>
-            </a:r>
-            <a:r>
-              <a:rPr lang="nl-NL" dirty="0"/>
-              <a:t> goed</a:t>
-            </a:r>
-            <a:endParaRPr lang="nl-NL" sz="2800" dirty="0"/>
-          </a:p>
-          <a:p>
-            <a:r>
-              <a:rPr lang="nl-NL" sz="2800" dirty="0" err="1"/>
-              <a:t>API’s</a:t>
-            </a:r>
-            <a:r>
-              <a:rPr lang="nl-NL" sz="2800" dirty="0"/>
-              <a:t> zijn géén bijproduct!</a:t>
-            </a:r>
-          </a:p>
-          <a:p>
-            <a:r>
-              <a:rPr lang="nl-NL" dirty="0"/>
-              <a:t>Bij ontwerp en bouw rekening houden met hergebruik</a:t>
-            </a:r>
-          </a:p>
-          <a:p>
-            <a:r>
-              <a:rPr lang="nl-NL" dirty="0"/>
-              <a:t>Generieke interface, betekenisvol voor (potentiële) afnemers</a:t>
-            </a:r>
-          </a:p>
-          <a:p>
-            <a:r>
-              <a:rPr lang="nl-NL" dirty="0"/>
-              <a:t>Documentatie op orde</a:t>
-            </a:r>
-          </a:p>
-          <a:p>
-            <a:r>
-              <a:rPr lang="nl-NL" dirty="0"/>
-              <a:t>Versiebeheer op orde</a:t>
-            </a:r>
-          </a:p>
-          <a:p>
-            <a:r>
-              <a:rPr lang="nl-NL" dirty="0"/>
-              <a:t>Voorzieningen voor zoeken &amp; vinden van </a:t>
-            </a:r>
-            <a:r>
-              <a:rPr lang="nl-NL" dirty="0" err="1"/>
-              <a:t>API’s</a:t>
-            </a:r>
-            <a:br>
-              <a:rPr lang="nl-NL" dirty="0"/>
-            </a:br>
-            <a:endParaRPr lang="nl-NL" sz="2800" dirty="0"/>
-          </a:p>
-          <a:p>
-            <a:endParaRPr lang="nl-NL" sz="2800" dirty="0"/>
-          </a:p>
-          <a:p>
-            <a:pPr marL="457200" lvl="1" indent="0">
-              <a:buNone/>
-            </a:pPr>
-            <a:endParaRPr lang="nl-NL" sz="2800" dirty="0"/>
-          </a:p>
-        </p:txBody>
-      </p:sp>
-      <p:cxnSp>
-        <p:nvCxnSpPr>
-          <p:cNvPr id="5" name="Rechte verbindingslijn 4">
-            <a:extLst>
-              <a:ext uri="{FF2B5EF4-FFF2-40B4-BE49-F238E27FC236}">
-                <a16:creationId xmlns:a16="http://schemas.microsoft.com/office/drawing/2014/main" id="{975B3BA4-A1F7-43F8-8632-FF33ED16D6D4}"/>
-              </a:ext>
-            </a:extLst>
-          </p:cNvPr>
-          <p:cNvCxnSpPr>
-            <a:cxnSpLocks/>
-          </p:cNvCxnSpPr>
-          <p:nvPr/>
-        </p:nvCxnSpPr>
-        <p:spPr>
-          <a:xfrm flipH="1">
-            <a:off x="600076" y="2047875"/>
-            <a:ext cx="4819649" cy="0"/>
-          </a:xfrm>
-          <a:prstGeom prst="line">
-            <a:avLst/>
-          </a:prstGeom>
-          <a:ln w="28575"/>
-        </p:spPr>
-        <p:style>
-          <a:lnRef idx="3">
-            <a:schemeClr val="dk1"/>
-          </a:lnRef>
-          <a:fillRef idx="0">
-            <a:schemeClr val="dk1"/>
-          </a:fillRef>
-          <a:effectRef idx="2">
-            <a:schemeClr val="dk1"/>
-          </a:effectRef>
-          <a:fontRef idx="minor">
-            <a:schemeClr val="tx1"/>
-          </a:fontRef>
-        </p:style>
-      </p:cxnSp>
-    </p:spTree>
-    <p:extLst>
-      <p:ext uri="{BB962C8B-B14F-4D97-AF65-F5344CB8AC3E}">
-        <p14:creationId xmlns:p14="http://schemas.microsoft.com/office/powerpoint/2010/main" val="3263791440"/>
       </p:ext>
     </p:extLst>
   </p:cSld>
@@ -6150,7 +6794,7 @@
           <a:p>
             <a:r>
               <a:rPr lang="nl-NL" dirty="0"/>
-              <a:t>Zelf aan de slag! Maak een keuze:</a:t>
+              <a:t>Zelf aan de slag! </a:t>
             </a:r>
           </a:p>
           <a:p>
@@ -6412,6 +7056,41 @@
           </a:prstGeom>
         </p:spPr>
       </p:pic>
+      <p:sp>
+        <p:nvSpPr>
+          <p:cNvPr id="7" name="Tekstvak 6">
+            <a:extLst>
+              <a:ext uri="{FF2B5EF4-FFF2-40B4-BE49-F238E27FC236}">
+                <a16:creationId xmlns:a16="http://schemas.microsoft.com/office/drawing/2014/main" id="{4A509774-7C8F-4F42-9248-FCA477F39BE2}"/>
+              </a:ext>
+            </a:extLst>
+          </p:cNvPr>
+          <p:cNvSpPr txBox="1"/>
+          <p:nvPr/>
+        </p:nvSpPr>
+        <p:spPr>
+          <a:xfrm>
+            <a:off x="7778663" y="6476226"/>
+            <a:ext cx="1753813" cy="276999"/>
+          </a:xfrm>
+          <a:prstGeom prst="rect">
+            <a:avLst/>
+          </a:prstGeom>
+          <a:noFill/>
+        </p:spPr>
+        <p:txBody>
+          <a:bodyPr wrap="none" rtlCol="0">
+            <a:spAutoFit/>
+          </a:bodyPr>
+          <a:lstStyle/>
+          <a:p>
+            <a:r>
+              <a:rPr lang="nl-NL" sz="1200" dirty="0"/>
+              <a:t>Bron: CommonGround.nl</a:t>
+            </a:r>
+          </a:p>
+        </p:txBody>
+      </p:sp>
     </p:spTree>
     <p:extLst>
       <p:ext uri="{BB962C8B-B14F-4D97-AF65-F5344CB8AC3E}">
@@ -6614,6 +7293,41 @@
           </a:prstGeom>
         </p:spPr>
       </p:pic>
+      <p:sp>
+        <p:nvSpPr>
+          <p:cNvPr id="4" name="Tekstvak 3">
+            <a:extLst>
+              <a:ext uri="{FF2B5EF4-FFF2-40B4-BE49-F238E27FC236}">
+                <a16:creationId xmlns:a16="http://schemas.microsoft.com/office/drawing/2014/main" id="{F8803C7D-236D-4262-82F1-F4E343EEEF6F}"/>
+              </a:ext>
+            </a:extLst>
+          </p:cNvPr>
+          <p:cNvSpPr txBox="1"/>
+          <p:nvPr/>
+        </p:nvSpPr>
+        <p:spPr>
+          <a:xfrm>
+            <a:off x="7778663" y="6476226"/>
+            <a:ext cx="1753813" cy="276999"/>
+          </a:xfrm>
+          <a:prstGeom prst="rect">
+            <a:avLst/>
+          </a:prstGeom>
+          <a:noFill/>
+        </p:spPr>
+        <p:txBody>
+          <a:bodyPr wrap="none" rtlCol="0">
+            <a:spAutoFit/>
+          </a:bodyPr>
+          <a:lstStyle/>
+          <a:p>
+            <a:r>
+              <a:rPr lang="nl-NL" sz="1200" dirty="0"/>
+              <a:t>Bron: CommonGround.nl</a:t>
+            </a:r>
+          </a:p>
+        </p:txBody>
+      </p:sp>
     </p:spTree>
     <p:extLst>
       <p:ext uri="{BB962C8B-B14F-4D97-AF65-F5344CB8AC3E}">
@@ -6884,6 +7598,41 @@
           </a:prstGeom>
         </p:spPr>
       </p:pic>
+      <p:sp>
+        <p:nvSpPr>
+          <p:cNvPr id="4" name="Tekstvak 3">
+            <a:extLst>
+              <a:ext uri="{FF2B5EF4-FFF2-40B4-BE49-F238E27FC236}">
+                <a16:creationId xmlns:a16="http://schemas.microsoft.com/office/drawing/2014/main" id="{37CE25AB-EBC1-4C45-966D-A33580D5F107}"/>
+              </a:ext>
+            </a:extLst>
+          </p:cNvPr>
+          <p:cNvSpPr txBox="1"/>
+          <p:nvPr/>
+        </p:nvSpPr>
+        <p:spPr>
+          <a:xfrm>
+            <a:off x="7778663" y="6476226"/>
+            <a:ext cx="1753813" cy="276999"/>
+          </a:xfrm>
+          <a:prstGeom prst="rect">
+            <a:avLst/>
+          </a:prstGeom>
+          <a:noFill/>
+        </p:spPr>
+        <p:txBody>
+          <a:bodyPr wrap="none" rtlCol="0">
+            <a:spAutoFit/>
+          </a:bodyPr>
+          <a:lstStyle/>
+          <a:p>
+            <a:r>
+              <a:rPr lang="nl-NL" sz="1200" dirty="0"/>
+              <a:t>Bron: CommonGround.nl</a:t>
+            </a:r>
+          </a:p>
+        </p:txBody>
+      </p:sp>
     </p:spTree>
     <p:extLst>
       <p:ext uri="{BB962C8B-B14F-4D97-AF65-F5344CB8AC3E}">
@@ -6971,6 +7720,41 @@
           </a:prstGeom>
         </p:spPr>
       </p:pic>
+      <p:sp>
+        <p:nvSpPr>
+          <p:cNvPr id="4" name="Tekstvak 3">
+            <a:extLst>
+              <a:ext uri="{FF2B5EF4-FFF2-40B4-BE49-F238E27FC236}">
+                <a16:creationId xmlns:a16="http://schemas.microsoft.com/office/drawing/2014/main" id="{4EE91534-7BA4-44E8-86B2-83BEEA04BA0E}"/>
+              </a:ext>
+            </a:extLst>
+          </p:cNvPr>
+          <p:cNvSpPr txBox="1"/>
+          <p:nvPr/>
+        </p:nvSpPr>
+        <p:spPr>
+          <a:xfrm>
+            <a:off x="7778663" y="6476226"/>
+            <a:ext cx="1753813" cy="276999"/>
+          </a:xfrm>
+          <a:prstGeom prst="rect">
+            <a:avLst/>
+          </a:prstGeom>
+          <a:noFill/>
+        </p:spPr>
+        <p:txBody>
+          <a:bodyPr wrap="none" rtlCol="0">
+            <a:spAutoFit/>
+          </a:bodyPr>
+          <a:lstStyle/>
+          <a:p>
+            <a:r>
+              <a:rPr lang="nl-NL" sz="1200" dirty="0"/>
+              <a:t>Bron: CommonGround.nl</a:t>
+            </a:r>
+          </a:p>
+        </p:txBody>
+      </p:sp>
     </p:spTree>
     <p:extLst>
       <p:ext uri="{BB962C8B-B14F-4D97-AF65-F5344CB8AC3E}">

--- a/slides/Presentatie Web API's.pptx
+++ b/slides/Presentatie Web API's.pptx
@@ -276,7 +276,7 @@
           <a:p>
             <a:fld id="{AD7EFAF3-100B-4256-A6D3-83084E54E267}" type="datetimeFigureOut">
               <a:rPr lang="nl-NL" smtClean="0"/>
-              <a:t>14-2-2019</a:t>
+              <a:t>16-2-2019</a:t>
             </a:fld>
             <a:endParaRPr lang="nl-NL"/>
           </a:p>
@@ -474,7 +474,7 @@
           <a:p>
             <a:fld id="{AD7EFAF3-100B-4256-A6D3-83084E54E267}" type="datetimeFigureOut">
               <a:rPr lang="nl-NL" smtClean="0"/>
-              <a:t>14-2-2019</a:t>
+              <a:t>16-2-2019</a:t>
             </a:fld>
             <a:endParaRPr lang="nl-NL"/>
           </a:p>
@@ -682,7 +682,7 @@
           <a:p>
             <a:fld id="{AD7EFAF3-100B-4256-A6D3-83084E54E267}" type="datetimeFigureOut">
               <a:rPr lang="nl-NL" smtClean="0"/>
-              <a:t>14-2-2019</a:t>
+              <a:t>16-2-2019</a:t>
             </a:fld>
             <a:endParaRPr lang="nl-NL"/>
           </a:p>
@@ -880,7 +880,7 @@
           <a:p>
             <a:fld id="{AD7EFAF3-100B-4256-A6D3-83084E54E267}" type="datetimeFigureOut">
               <a:rPr lang="nl-NL" smtClean="0"/>
-              <a:t>14-2-2019</a:t>
+              <a:t>16-2-2019</a:t>
             </a:fld>
             <a:endParaRPr lang="nl-NL"/>
           </a:p>
@@ -1155,7 +1155,7 @@
           <a:p>
             <a:fld id="{AD7EFAF3-100B-4256-A6D3-83084E54E267}" type="datetimeFigureOut">
               <a:rPr lang="nl-NL" smtClean="0"/>
-              <a:t>14-2-2019</a:t>
+              <a:t>16-2-2019</a:t>
             </a:fld>
             <a:endParaRPr lang="nl-NL"/>
           </a:p>
@@ -1420,7 +1420,7 @@
           <a:p>
             <a:fld id="{AD7EFAF3-100B-4256-A6D3-83084E54E267}" type="datetimeFigureOut">
               <a:rPr lang="nl-NL" smtClean="0"/>
-              <a:t>14-2-2019</a:t>
+              <a:t>16-2-2019</a:t>
             </a:fld>
             <a:endParaRPr lang="nl-NL"/>
           </a:p>
@@ -1832,7 +1832,7 @@
           <a:p>
             <a:fld id="{AD7EFAF3-100B-4256-A6D3-83084E54E267}" type="datetimeFigureOut">
               <a:rPr lang="nl-NL" smtClean="0"/>
-              <a:t>14-2-2019</a:t>
+              <a:t>16-2-2019</a:t>
             </a:fld>
             <a:endParaRPr lang="nl-NL"/>
           </a:p>
@@ -1973,7 +1973,7 @@
           <a:p>
             <a:fld id="{AD7EFAF3-100B-4256-A6D3-83084E54E267}" type="datetimeFigureOut">
               <a:rPr lang="nl-NL" smtClean="0"/>
-              <a:t>14-2-2019</a:t>
+              <a:t>16-2-2019</a:t>
             </a:fld>
             <a:endParaRPr lang="nl-NL"/>
           </a:p>
@@ -2086,7 +2086,7 @@
           <a:p>
             <a:fld id="{AD7EFAF3-100B-4256-A6D3-83084E54E267}" type="datetimeFigureOut">
               <a:rPr lang="nl-NL" smtClean="0"/>
-              <a:t>14-2-2019</a:t>
+              <a:t>16-2-2019</a:t>
             </a:fld>
             <a:endParaRPr lang="nl-NL"/>
           </a:p>
@@ -2397,7 +2397,7 @@
           <a:p>
             <a:fld id="{AD7EFAF3-100B-4256-A6D3-83084E54E267}" type="datetimeFigureOut">
               <a:rPr lang="nl-NL" smtClean="0"/>
-              <a:t>14-2-2019</a:t>
+              <a:t>16-2-2019</a:t>
             </a:fld>
             <a:endParaRPr lang="nl-NL"/>
           </a:p>
@@ -2685,7 +2685,7 @@
           <a:p>
             <a:fld id="{AD7EFAF3-100B-4256-A6D3-83084E54E267}" type="datetimeFigureOut">
               <a:rPr lang="nl-NL" smtClean="0"/>
-              <a:t>14-2-2019</a:t>
+              <a:t>16-2-2019</a:t>
             </a:fld>
             <a:endParaRPr lang="nl-NL"/>
           </a:p>
@@ -2926,7 +2926,7 @@
           <a:p>
             <a:fld id="{AD7EFAF3-100B-4256-A6D3-83084E54E267}" type="datetimeFigureOut">
               <a:rPr lang="nl-NL" smtClean="0"/>
-              <a:t>14-2-2019</a:t>
+              <a:t>16-2-2019</a:t>
             </a:fld>
             <a:endParaRPr lang="nl-NL"/>
           </a:p>
@@ -5178,7 +5178,7 @@
         </p:nvSpPr>
         <p:spPr>
           <a:xfrm>
-            <a:off x="1438275" y="3321050"/>
+            <a:off x="1533525" y="3321050"/>
             <a:ext cx="11287125" cy="4351338"/>
           </a:xfrm>
         </p:spPr>
@@ -5279,7 +5279,7 @@
         </p:nvSpPr>
         <p:spPr>
           <a:xfrm>
-            <a:off x="904875" y="2363688"/>
+            <a:off x="1000125" y="2363688"/>
             <a:ext cx="1584408" cy="369332"/>
           </a:xfrm>
           <a:prstGeom prst="rect">
@@ -5314,7 +5314,7 @@
         </p:nvSpPr>
         <p:spPr>
           <a:xfrm rot="5400000">
-            <a:off x="4820943" y="123486"/>
+            <a:off x="4916193" y="123486"/>
             <a:ext cx="494469" cy="6002259"/>
           </a:xfrm>
           <a:prstGeom prst="leftBrace">
@@ -5363,7 +5363,7 @@
         </p:nvSpPr>
         <p:spPr>
           <a:xfrm>
-            <a:off x="3203481" y="2370277"/>
+            <a:off x="3298731" y="2370277"/>
             <a:ext cx="3789564" cy="369332"/>
           </a:xfrm>
           <a:prstGeom prst="rect">
@@ -5398,7 +5398,7 @@
         </p:nvSpPr>
         <p:spPr>
           <a:xfrm rot="5400000">
-            <a:off x="9449276" y="1619727"/>
+            <a:off x="9544526" y="1619727"/>
             <a:ext cx="494469" cy="3028827"/>
           </a:xfrm>
           <a:prstGeom prst="leftBrace">
@@ -5447,7 +5447,7 @@
         </p:nvSpPr>
         <p:spPr>
           <a:xfrm>
-            <a:off x="8779914" y="2370277"/>
+            <a:off x="8875164" y="2370277"/>
             <a:ext cx="1888594" cy="369332"/>
           </a:xfrm>
           <a:prstGeom prst="rect">
@@ -5482,7 +5482,7 @@
         </p:nvSpPr>
         <p:spPr>
           <a:xfrm>
-            <a:off x="1010481" y="3667602"/>
+            <a:off x="1105731" y="3667602"/>
             <a:ext cx="494469" cy="1124129"/>
           </a:xfrm>
           <a:prstGeom prst="leftBrace">
@@ -5531,7 +5531,7 @@
         </p:nvSpPr>
         <p:spPr>
           <a:xfrm>
-            <a:off x="141246" y="4045000"/>
+            <a:off x="236496" y="4045000"/>
             <a:ext cx="872355" cy="369332"/>
           </a:xfrm>
           <a:prstGeom prst="rect">
@@ -5569,7 +5569,7 @@
         </p:nvCxnSpPr>
         <p:spPr>
           <a:xfrm>
-            <a:off x="1697079" y="2733020"/>
+            <a:off x="1792329" y="2733020"/>
             <a:ext cx="0" cy="588030"/>
           </a:xfrm>
           <a:prstGeom prst="straightConnector1">
@@ -5683,7 +5683,7 @@
         </p:nvSpPr>
         <p:spPr>
           <a:xfrm>
-            <a:off x="1438275" y="3321050"/>
+            <a:off x="1533525" y="3321050"/>
             <a:ext cx="11287125" cy="4351338"/>
           </a:xfrm>
         </p:spPr>
@@ -5853,7 +5853,7 @@
         </p:nvSpPr>
         <p:spPr>
           <a:xfrm>
-            <a:off x="1019175" y="2363688"/>
+            <a:off x="1114425" y="2363688"/>
             <a:ext cx="1584408" cy="369332"/>
           </a:xfrm>
           <a:prstGeom prst="rect">
@@ -5888,7 +5888,7 @@
         </p:nvSpPr>
         <p:spPr>
           <a:xfrm rot="5400000">
-            <a:off x="5663082" y="-613879"/>
+            <a:off x="5758332" y="-613879"/>
             <a:ext cx="494469" cy="7476989"/>
           </a:xfrm>
           <a:prstGeom prst="leftBrace">
@@ -5937,7 +5937,7 @@
         </p:nvSpPr>
         <p:spPr>
           <a:xfrm>
-            <a:off x="4032773" y="2370277"/>
+            <a:off x="4128023" y="2370277"/>
             <a:ext cx="3789564" cy="369332"/>
           </a:xfrm>
           <a:prstGeom prst="rect">
@@ -5972,7 +5972,7 @@
         </p:nvSpPr>
         <p:spPr>
           <a:xfrm>
-            <a:off x="1010481" y="3667602"/>
+            <a:off x="1105731" y="3667602"/>
             <a:ext cx="494469" cy="1124129"/>
           </a:xfrm>
           <a:prstGeom prst="leftBrace">
@@ -6021,7 +6021,7 @@
         </p:nvSpPr>
         <p:spPr>
           <a:xfrm>
-            <a:off x="141246" y="4045000"/>
+            <a:off x="236496" y="4045000"/>
             <a:ext cx="872355" cy="369332"/>
           </a:xfrm>
           <a:prstGeom prst="rect">
@@ -6059,7 +6059,7 @@
         </p:nvCxnSpPr>
         <p:spPr>
           <a:xfrm>
-            <a:off x="1811379" y="2733020"/>
+            <a:off x="1906629" y="2733020"/>
             <a:ext cx="0" cy="588030"/>
           </a:xfrm>
           <a:prstGeom prst="straightConnector1">
@@ -6101,7 +6101,7 @@
         </p:nvSpPr>
         <p:spPr>
           <a:xfrm>
-            <a:off x="1020006" y="4858227"/>
+            <a:off x="1115256" y="4858227"/>
             <a:ext cx="494469" cy="1418748"/>
           </a:xfrm>
           <a:prstGeom prst="leftBrace">
@@ -6150,7 +6150,7 @@
         </p:nvSpPr>
         <p:spPr>
           <a:xfrm>
-            <a:off x="322221" y="5359450"/>
+            <a:off x="417471" y="5359450"/>
             <a:ext cx="657552" cy="369332"/>
           </a:xfrm>
           <a:prstGeom prst="rect">
@@ -6257,7 +6257,7 @@
         </p:nvSpPr>
         <p:spPr>
           <a:xfrm>
-            <a:off x="1438275" y="3321050"/>
+            <a:off x="1533525" y="3321050"/>
             <a:ext cx="11287125" cy="4351338"/>
           </a:xfrm>
         </p:spPr>
@@ -6282,7 +6282,7 @@
                 <a:latin typeface="Courier New" panose="02070309020205020404" pitchFamily="49" charset="0"/>
                 <a:cs typeface="Courier New" panose="02070309020205020404" pitchFamily="49" charset="0"/>
               </a:rPr>
-              <a:t> https://dataloket.zuid-holland.nl/api/documents/upload/9000168888304</a:t>
+              <a:t> https://dataloket.zuid-holland.nl/api/documents/upload/9000168888</a:t>
             </a:r>
           </a:p>
           <a:p>
@@ -6358,7 +6358,7 @@
         </p:nvSpPr>
         <p:spPr>
           <a:xfrm>
-            <a:off x="1019175" y="2363688"/>
+            <a:off x="1114425" y="2363688"/>
             <a:ext cx="1584408" cy="369332"/>
           </a:xfrm>
           <a:prstGeom prst="rect">
@@ -6393,8 +6393,8 @@
         </p:nvSpPr>
         <p:spPr>
           <a:xfrm rot="5400000">
-            <a:off x="6895343" y="-1541342"/>
-            <a:ext cx="494469" cy="9331915"/>
+            <a:off x="6787037" y="-1337787"/>
+            <a:ext cx="494469" cy="8924805"/>
           </a:xfrm>
           <a:prstGeom prst="leftBrace">
             <a:avLst/>
@@ -6442,7 +6442,7 @@
         </p:nvSpPr>
         <p:spPr>
           <a:xfrm>
-            <a:off x="5261812" y="2370277"/>
+            <a:off x="5357062" y="2370277"/>
             <a:ext cx="3789564" cy="369332"/>
           </a:xfrm>
           <a:prstGeom prst="rect">
@@ -6477,7 +6477,7 @@
         </p:nvSpPr>
         <p:spPr>
           <a:xfrm>
-            <a:off x="1010481" y="3667602"/>
+            <a:off x="1105731" y="3667602"/>
             <a:ext cx="494469" cy="1124129"/>
           </a:xfrm>
           <a:prstGeom prst="leftBrace">
@@ -6526,7 +6526,7 @@
         </p:nvSpPr>
         <p:spPr>
           <a:xfrm>
-            <a:off x="141246" y="4045000"/>
+            <a:off x="236496" y="4045000"/>
             <a:ext cx="872355" cy="369332"/>
           </a:xfrm>
           <a:prstGeom prst="rect">
@@ -6564,7 +6564,7 @@
         </p:nvCxnSpPr>
         <p:spPr>
           <a:xfrm>
-            <a:off x="1811379" y="2733020"/>
+            <a:off x="1906629" y="2733020"/>
             <a:ext cx="0" cy="588030"/>
           </a:xfrm>
           <a:prstGeom prst="straightConnector1">
@@ -7259,7 +7259,7 @@
           <a:p>
             <a:r>
               <a:rPr lang="nl-NL" dirty="0"/>
-              <a:t>Foutgevoelig en efficiënt, en belemmering voor innovatie</a:t>
+              <a:t>Foutgevoelig en inefficiënt, en belemmering voor innovatie</a:t>
             </a:r>
           </a:p>
         </p:txBody>
